--- a/images/figures.pptx
+++ b/images/figures.pptx
@@ -290,7 +290,7 @@
           <a:p>
             <a:fld id="{E90ED720-0104-4369-84BC-D37694168613}" type="datetimeFigureOut">
               <a:rPr kumimoji="1" lang="ja-JP" altLang="en-US" smtClean="0"/>
-              <a:t>2015/11/8</a:t>
+              <a:t>2015/11/25</a:t>
             </a:fld>
             <a:endParaRPr kumimoji="1" lang="ja-JP" altLang="en-US"/>
           </a:p>
@@ -487,7 +487,7 @@
           <a:p>
             <a:fld id="{E90ED720-0104-4369-84BC-D37694168613}" type="datetimeFigureOut">
               <a:rPr kumimoji="1" lang="ja-JP" altLang="en-US" smtClean="0"/>
-              <a:t>2015/11/8</a:t>
+              <a:t>2015/11/25</a:t>
             </a:fld>
             <a:endParaRPr kumimoji="1" lang="ja-JP" altLang="en-US"/>
           </a:p>
@@ -694,7 +694,7 @@
           <a:p>
             <a:fld id="{E90ED720-0104-4369-84BC-D37694168613}" type="datetimeFigureOut">
               <a:rPr kumimoji="1" lang="ja-JP" altLang="en-US" smtClean="0"/>
-              <a:t>2015/11/8</a:t>
+              <a:t>2015/11/25</a:t>
             </a:fld>
             <a:endParaRPr kumimoji="1" lang="ja-JP" altLang="en-US"/>
           </a:p>
@@ -891,7 +891,7 @@
           <a:p>
             <a:fld id="{E90ED720-0104-4369-84BC-D37694168613}" type="datetimeFigureOut">
               <a:rPr kumimoji="1" lang="ja-JP" altLang="en-US" smtClean="0"/>
-              <a:t>2015/11/8</a:t>
+              <a:t>2015/11/25</a:t>
             </a:fld>
             <a:endParaRPr kumimoji="1" lang="ja-JP" altLang="en-US"/>
           </a:p>
@@ -1132,7 +1132,7 @@
           <a:p>
             <a:fld id="{E90ED720-0104-4369-84BC-D37694168613}" type="datetimeFigureOut">
               <a:rPr kumimoji="1" lang="ja-JP" altLang="en-US" smtClean="0"/>
-              <a:t>2015/11/8</a:t>
+              <a:t>2015/11/25</a:t>
             </a:fld>
             <a:endParaRPr kumimoji="1" lang="ja-JP" altLang="en-US"/>
           </a:p>
@@ -1479,7 +1479,7 @@
           <a:p>
             <a:fld id="{E90ED720-0104-4369-84BC-D37694168613}" type="datetimeFigureOut">
               <a:rPr kumimoji="1" lang="ja-JP" altLang="en-US" smtClean="0"/>
-              <a:t>2015/11/8</a:t>
+              <a:t>2015/11/25</a:t>
             </a:fld>
             <a:endParaRPr kumimoji="1" lang="ja-JP" altLang="en-US"/>
           </a:p>
@@ -1960,7 +1960,7 @@
           <a:p>
             <a:fld id="{E90ED720-0104-4369-84BC-D37694168613}" type="datetimeFigureOut">
               <a:rPr kumimoji="1" lang="ja-JP" altLang="en-US" smtClean="0"/>
-              <a:t>2015/11/8</a:t>
+              <a:t>2015/11/25</a:t>
             </a:fld>
             <a:endParaRPr kumimoji="1" lang="ja-JP" altLang="en-US"/>
           </a:p>
@@ -2073,7 +2073,7 @@
           <a:p>
             <a:fld id="{E90ED720-0104-4369-84BC-D37694168613}" type="datetimeFigureOut">
               <a:rPr kumimoji="1" lang="ja-JP" altLang="en-US" smtClean="0"/>
-              <a:t>2015/11/8</a:t>
+              <a:t>2015/11/25</a:t>
             </a:fld>
             <a:endParaRPr kumimoji="1" lang="ja-JP" altLang="en-US"/>
           </a:p>
@@ -2163,7 +2163,7 @@
           <a:p>
             <a:fld id="{E90ED720-0104-4369-84BC-D37694168613}" type="datetimeFigureOut">
               <a:rPr kumimoji="1" lang="ja-JP" altLang="en-US" smtClean="0"/>
-              <a:t>2015/11/8</a:t>
+              <a:t>2015/11/25</a:t>
             </a:fld>
             <a:endParaRPr kumimoji="1" lang="ja-JP" altLang="en-US"/>
           </a:p>
@@ -2467,7 +2467,7 @@
           <a:p>
             <a:fld id="{E90ED720-0104-4369-84BC-D37694168613}" type="datetimeFigureOut">
               <a:rPr kumimoji="1" lang="ja-JP" altLang="en-US" smtClean="0"/>
-              <a:t>2015/11/8</a:t>
+              <a:t>2015/11/25</a:t>
             </a:fld>
             <a:endParaRPr kumimoji="1" lang="ja-JP" altLang="en-US"/>
           </a:p>
@@ -2715,7 +2715,7 @@
           <a:p>
             <a:fld id="{E90ED720-0104-4369-84BC-D37694168613}" type="datetimeFigureOut">
               <a:rPr kumimoji="1" lang="ja-JP" altLang="en-US" smtClean="0"/>
-              <a:t>2015/11/8</a:t>
+              <a:t>2015/11/25</a:t>
             </a:fld>
             <a:endParaRPr kumimoji="1" lang="ja-JP" altLang="en-US"/>
           </a:p>
@@ -2955,7 +2955,7 @@
           <a:p>
             <a:fld id="{E90ED720-0104-4369-84BC-D37694168613}" type="datetimeFigureOut">
               <a:rPr kumimoji="1" lang="ja-JP" altLang="en-US" smtClean="0"/>
-              <a:t>2015/11/8</a:t>
+              <a:t>2015/11/25</a:t>
             </a:fld>
             <a:endParaRPr kumimoji="1" lang="ja-JP" altLang="en-US"/>
           </a:p>
@@ -3877,8 +3877,8 @@
         </p:nvSpPr>
         <p:spPr>
           <a:xfrm>
-            <a:off x="4053723" y="2348880"/>
-            <a:ext cx="950325" cy="369332"/>
+            <a:off x="4067944" y="2348880"/>
+            <a:ext cx="1037528" cy="369332"/>
           </a:xfrm>
           <a:prstGeom prst="rect">
             <a:avLst/>
@@ -3893,7 +3893,11 @@
           <a:p>
             <a:r>
               <a:rPr kumimoji="1" lang="en-US" altLang="ja-JP" dirty="0" smtClean="0"/>
-              <a:t>http put</a:t>
+              <a:t>http </a:t>
+            </a:r>
+            <a:r>
+              <a:rPr kumimoji="1" lang="en-US" altLang="ja-JP" dirty="0" smtClean="0"/>
+              <a:t>post</a:t>
             </a:r>
             <a:endParaRPr kumimoji="1" lang="ja-JP" altLang="en-US" dirty="0"/>
           </a:p>
